--- a/Lectures/1 Operating System Overview.ppt.pptx
+++ b/Lectures/1 Operating System Overview.ppt.pptx
@@ -22244,7 +22244,7 @@
         </p:nvSpPr>
         <p:spPr>
           <a:xfrm>
-            <a:off x="1385248" y="3804313"/>
+            <a:off x="1385248" y="3545006"/>
             <a:ext cx="6400800" cy="2350827"/>
           </a:xfrm>
           <a:prstGeom prst="rect">
@@ -22333,8 +22333,89 @@
                 <a:cs typeface="Tahoma"/>
                 <a:sym typeface="Tahoma"/>
               </a:rPr>
-              <a:t>Blutech, Jaffer Brothers</a:t>
+              <a:t>Blutech, Jaffer </a:t>
             </a:r>
+            <a:r>
+              <a:rPr lang="en-US" sz="2400" b="0" i="0" u="none" strike="noStrike" cap="none" dirty="0" smtClean="0">
+                <a:solidFill>
+                  <a:schemeClr val="dk1"/>
+                </a:solidFill>
+                <a:latin typeface="Tahoma"/>
+                <a:ea typeface="Tahoma"/>
+                <a:cs typeface="Tahoma"/>
+                <a:sym typeface="Tahoma"/>
+              </a:rPr>
+              <a:t>Brothers</a:t>
+            </a:r>
+          </a:p>
+          <a:p>
+            <a:pPr marL="0" marR="0" lvl="0" indent="0" algn="ctr" rtl="0">
+              <a:spcBef>
+                <a:spcPts val="0"/>
+              </a:spcBef>
+              <a:spcAft>
+                <a:spcPts val="0"/>
+              </a:spcAft>
+              <a:buClr>
+                <a:schemeClr val="folHlink"/>
+              </a:buClr>
+              <a:buSzPts val="1440"/>
+              <a:buFont typeface="Noto Sans Symbols"/>
+              <a:buNone/>
+            </a:pPr>
+            <a:r>
+              <a:rPr lang="en-US" dirty="0" smtClean="0"/>
+              <a:t>And </a:t>
+            </a:r>
+          </a:p>
+          <a:p>
+            <a:pPr marL="0" marR="0" lvl="0" indent="0" algn="ctr" rtl="0">
+              <a:spcBef>
+                <a:spcPts val="0"/>
+              </a:spcBef>
+              <a:spcAft>
+                <a:spcPts val="0"/>
+              </a:spcAft>
+              <a:buClr>
+                <a:schemeClr val="folHlink"/>
+              </a:buClr>
+              <a:buSzPts val="1440"/>
+              <a:buFont typeface="Noto Sans Symbols"/>
+              <a:buNone/>
+            </a:pPr>
+            <a:r>
+              <a:rPr lang="en-US" sz="2400" b="0" i="0" u="none" strike="noStrike" cap="none" dirty="0" err="1" smtClean="0">
+                <a:solidFill>
+                  <a:schemeClr val="dk1"/>
+                </a:solidFill>
+                <a:latin typeface="Tahoma"/>
+                <a:ea typeface="Tahoma"/>
+                <a:cs typeface="Tahoma"/>
+                <a:sym typeface="Tahoma"/>
+              </a:rPr>
+              <a:t>Adjunt</a:t>
+            </a:r>
+            <a:r>
+              <a:rPr lang="en-US" sz="2400" b="0" i="0" u="none" strike="noStrike" cap="none" dirty="0" smtClean="0">
+                <a:solidFill>
+                  <a:schemeClr val="dk1"/>
+                </a:solidFill>
+                <a:latin typeface="Tahoma"/>
+                <a:ea typeface="Tahoma"/>
+                <a:cs typeface="Tahoma"/>
+                <a:sym typeface="Tahoma"/>
+              </a:rPr>
+              <a:t> Faculty PAF-KIET</a:t>
+            </a:r>
+            <a:endParaRPr lang="en-US" sz="2400" b="0" i="0" u="none" strike="noStrike" cap="none" dirty="0" smtClean="0">
+              <a:solidFill>
+                <a:schemeClr val="dk1"/>
+              </a:solidFill>
+              <a:latin typeface="Tahoma"/>
+              <a:ea typeface="Tahoma"/>
+              <a:cs typeface="Tahoma"/>
+              <a:sym typeface="Tahoma"/>
+            </a:endParaRPr>
           </a:p>
           <a:p>
             <a:pPr marL="0" marR="0" lvl="0" indent="0" algn="ctr" rtl="0">
@@ -22810,7 +22891,6 @@
               <a:rPr lang="en-US" dirty="0" smtClean="0"/>
               <a:t>Solution – Load more programs, and common programs once for all users program</a:t>
             </a:r>
-            <a:endParaRPr lang="en-US" dirty="0" smtClean="0"/>
           </a:p>
           <a:p>
             <a:pPr marL="342900" marR="0" lvl="0" indent="-342900" algn="l" rtl="0">
@@ -22962,11 +23042,7 @@
             </a:pPr>
             <a:r>
               <a:rPr lang="en-US" dirty="0" smtClean="0"/>
-              <a:t>Idea - </a:t>
-            </a:r>
-            <a:r>
-              <a:rPr lang="en-US" dirty="0" smtClean="0"/>
-              <a:t>Load more programs, and common programs once for all users program</a:t>
+              <a:t>Idea - Load more programs, and common programs once for all users program</a:t>
             </a:r>
           </a:p>
           <a:p>
